--- a/doc/2.Java与数据挖掘.pptx
+++ b/doc/2.Java与数据挖掘.pptx
@@ -509,39 +509,6 @@
           <a:bodyPr/>
           <a:lstStyle/>
           <a:p>
-            <a:r>
-              <a:rPr lang="zh-CN" altLang="en-US" sz="1200" kern="1200" dirty="0" smtClean="0">
-                <a:solidFill>
-                  <a:schemeClr val="tx1"/>
-                </a:solidFill>
-                <a:latin typeface="+mn-lt"/>
-                <a:ea typeface="+mn-ea"/>
-                <a:cs typeface="+mn-cs"/>
-              </a:rPr>
-              <a:t>知其然，知其所以然；</a:t>
-            </a:r>
-            <a:r>
-              <a:rPr lang="zh-CN" altLang="zh-CN" sz="1200" kern="1200" dirty="0" smtClean="0">
-                <a:solidFill>
-                  <a:schemeClr val="tx1"/>
-                </a:solidFill>
-                <a:latin typeface="+mn-lt"/>
-                <a:ea typeface="+mn-ea"/>
-                <a:cs typeface="+mn-cs"/>
-              </a:rPr>
-              <a:t> </a:t>
-            </a:r>
-            <a:r>
-              <a:rPr lang="zh-CN" altLang="en-US" sz="1200" kern="1200" dirty="0" smtClean="0">
-                <a:solidFill>
-                  <a:schemeClr val="tx1"/>
-                </a:solidFill>
-                <a:latin typeface="+mn-lt"/>
-                <a:ea typeface="+mn-ea"/>
-                <a:cs typeface="+mn-cs"/>
-              </a:rPr>
-              <a:t>  实践出真知；</a:t>
-            </a:r>
             <a:endParaRPr kumimoji="1" lang="zh-CN" altLang="en-US" dirty="0"/>
           </a:p>
         </p:txBody>

--- a/doc/2.Java与数据挖掘.pptx
+++ b/doc/2.Java与数据挖掘.pptx
@@ -5,7 +5,7 @@
     <p:sldMasterId id="2147483648" r:id="rId1"/>
   </p:sldMasterIdLst>
   <p:notesMasterIdLst>
-    <p:notesMasterId r:id="rId8"/>
+    <p:notesMasterId r:id="rId9"/>
   </p:notesMasterIdLst>
   <p:sldIdLst>
     <p:sldId id="256" r:id="rId2"/>
@@ -14,6 +14,7 @@
     <p:sldId id="264" r:id="rId5"/>
     <p:sldId id="265" r:id="rId6"/>
     <p:sldId id="266" r:id="rId7"/>
+    <p:sldId id="267" r:id="rId8"/>
   </p:sldIdLst>
   <p:sldSz cx="9144000" cy="6858000" type="screen4x3"/>
   <p:notesSz cx="6858000" cy="9144000"/>
@@ -647,6 +648,17 @@
               <a:rPr kumimoji="1" lang="zh-CN" altLang="en-US" dirty="0" smtClean="0"/>
               <a:t>等</a:t>
             </a:r>
+            <a:endParaRPr kumimoji="1" lang="en-US" altLang="zh-CN" dirty="0" smtClean="0"/>
+          </a:p>
+          <a:p>
+            <a:r>
+              <a:rPr kumimoji="1" lang="zh-CN" altLang="en-US" dirty="0" smtClean="0"/>
+              <a:t>面向对象，对账面向函数、</a:t>
+            </a:r>
+            <a:r>
+              <a:rPr kumimoji="1" lang="zh-CN" altLang="en-US" smtClean="0"/>
+              <a:t>面向过程</a:t>
+            </a:r>
             <a:endParaRPr kumimoji="1" lang="zh-CN" altLang="en-US" dirty="0"/>
           </a:p>
         </p:txBody>
@@ -839,7 +851,30 @@
           <a:p>
             <a:r>
               <a:rPr kumimoji="1" lang="zh-CN" altLang="en-US" dirty="0" smtClean="0"/>
-              <a:t>中间件定义：非底层操作系统软件、非业务应用软件，不是直接给最终用户使用的，不能直接给客户带来价值的软件，统称中间件。</a:t>
+              <a:t>中间件定义：非底层操作系统软件、非业务应用软件，不是直接给最终用户使用的，不能直接给客户带来价值的软件，统称中间件</a:t>
+            </a:r>
+            <a:r>
+              <a:rPr kumimoji="1" lang="zh-CN" altLang="en-US" dirty="0" smtClean="0"/>
+              <a:t>。</a:t>
+            </a:r>
+            <a:endParaRPr kumimoji="1" lang="en-US" altLang="zh-CN" dirty="0" smtClean="0"/>
+          </a:p>
+          <a:p>
+            <a:r>
+              <a:rPr kumimoji="1" lang="en-US" altLang="zh-CN" dirty="0" smtClean="0"/>
+              <a:t>SQL</a:t>
+            </a:r>
+            <a:r>
+              <a:rPr kumimoji="1" lang="zh-CN" altLang="en-US" dirty="0" smtClean="0"/>
+              <a:t>的潜力已经差不多都被挖掘出来了，再往后会非常吃力，该换</a:t>
+            </a:r>
+            <a:r>
+              <a:rPr kumimoji="1" lang="en-US" altLang="zh-CN" dirty="0" smtClean="0"/>
+              <a:t>JAVA</a:t>
+            </a:r>
+            <a:r>
+              <a:rPr kumimoji="1" lang="zh-CN" altLang="en-US" smtClean="0"/>
+              <a:t>登场了。</a:t>
             </a:r>
             <a:endParaRPr kumimoji="1" lang="zh-CN" altLang="en-US" dirty="0"/>
           </a:p>
@@ -3976,7 +4011,7 @@
             </a:r>
             <a:r>
               <a:rPr kumimoji="1" lang="zh-CN" altLang="en-US" sz="6000" dirty="0" smtClean="0"/>
-              <a:t>与数据挖掘</a:t>
+              <a:t>与数据挖掘 </a:t>
             </a:r>
             <a:endParaRPr kumimoji="1" lang="zh-CN" altLang="en-US" sz="6000" dirty="0"/>
           </a:p>
@@ -4519,7 +4554,7 @@
           <a:p>
             <a:r>
               <a:rPr kumimoji="1" lang="zh-CN" altLang="en-US" dirty="0" smtClean="0"/>
-              <a:t>如何在工作中引入</a:t>
+              <a:t>在工作中引入</a:t>
             </a:r>
             <a:r>
               <a:rPr kumimoji="1" lang="en-US" altLang="zh-CN" dirty="0" smtClean="0"/>
@@ -4541,7 +4576,9 @@
         </p:nvSpPr>
         <p:spPr/>
         <p:txBody>
-          <a:bodyPr/>
+          <a:bodyPr>
+            <a:normAutofit lnSpcReduction="10000"/>
+          </a:bodyPr>
           <a:lstStyle/>
           <a:p>
             <a:r>
@@ -4590,8 +4627,30 @@
           </a:p>
           <a:p>
             <a:r>
-              <a:rPr kumimoji="1" lang="zh-CN" altLang="en-US" smtClean="0"/>
-              <a:t>开始学习例子</a:t>
+              <a:rPr kumimoji="1" lang="zh-CN" altLang="en-US" dirty="0" smtClean="0"/>
+              <a:t>开始动手</a:t>
+            </a:r>
+            <a:r>
+              <a:rPr kumimoji="1" lang="en-US" altLang="zh-CN" dirty="0" smtClean="0"/>
+              <a:t>Coding：</a:t>
+            </a:r>
+          </a:p>
+          <a:p>
+            <a:pPr lvl="1"/>
+            <a:r>
+              <a:rPr kumimoji="1" lang="zh-CN" altLang="en-US" dirty="0" smtClean="0"/>
+              <a:t>学会</a:t>
+            </a:r>
+            <a:r>
+              <a:rPr kumimoji="1" lang="en-US" altLang="zh-CN" dirty="0" smtClean="0"/>
+              <a:t>Debug</a:t>
+            </a:r>
+          </a:p>
+          <a:p>
+            <a:pPr lvl="1"/>
+            <a:r>
+              <a:rPr kumimoji="1" lang="zh-CN" altLang="en-US" dirty="0" smtClean="0"/>
+              <a:t>看接口文档</a:t>
             </a:r>
             <a:endParaRPr kumimoji="1" lang="zh-CN" altLang="en-US" dirty="0"/>
           </a:p>
@@ -4810,6 +4869,92 @@
   <p:clrMapOvr>
     <a:masterClrMapping/>
   </p:clrMapOvr>
+  <p:timing>
+    <p:tnLst>
+      <p:par>
+        <p:cTn xmlns:p14="http://schemas.microsoft.com/office/powerpoint/2010/main" id="1" dur="indefinite" restart="never" nodeType="tmRoot"/>
+      </p:par>
+    </p:tnLst>
+  </p:timing>
+</p:sld>
+</file>
+
+<file path=ppt/slides/slide7.xml><?xml version="1.0" encoding="utf-8"?>
+<p:sld xmlns:a="http://schemas.openxmlformats.org/drawingml/2006/main" xmlns:r="http://schemas.openxmlformats.org/officeDocument/2006/relationships" xmlns:p="http://schemas.openxmlformats.org/presentationml/2006/main">
+  <p:cSld>
+    <p:spTree>
+      <p:nvGrpSpPr>
+        <p:cNvPr id="1" name=""/>
+        <p:cNvGrpSpPr/>
+        <p:nvPr/>
+      </p:nvGrpSpPr>
+      <p:grpSpPr>
+        <a:xfrm>
+          <a:off x="0" y="0"/>
+          <a:ext cx="0" cy="0"/>
+          <a:chOff x="0" y="0"/>
+          <a:chExt cx="0" cy="0"/>
+        </a:xfrm>
+      </p:grpSpPr>
+      <p:sp>
+        <p:nvSpPr>
+          <p:cNvPr id="2" name="标题 1"/>
+          <p:cNvSpPr>
+            <a:spLocks noGrp="1"/>
+          </p:cNvSpPr>
+          <p:nvPr>
+            <p:ph type="title"/>
+          </p:nvPr>
+        </p:nvSpPr>
+        <p:spPr/>
+        <p:txBody>
+          <a:bodyPr/>
+          <a:lstStyle/>
+          <a:p>
+            <a:r>
+              <a:rPr kumimoji="1" lang="zh-CN" altLang="en-US" dirty="0" smtClean="0"/>
+              <a:t>从我们熟悉的开始</a:t>
+            </a:r>
+            <a:endParaRPr kumimoji="1" lang="zh-CN" altLang="en-US" dirty="0"/>
+          </a:p>
+        </p:txBody>
+      </p:sp>
+      <p:pic>
+        <p:nvPicPr>
+          <p:cNvPr id="4" name="内容占位符 3"/>
+          <p:cNvPicPr>
+            <a:picLocks noGrp="1" noChangeAspect="1"/>
+          </p:cNvPicPr>
+          <p:nvPr>
+            <p:ph idx="1"/>
+          </p:nvPr>
+        </p:nvPicPr>
+        <p:blipFill>
+          <a:blip r:embed="rId2"/>
+          <a:srcRect l="998" r="998"/>
+          <a:stretch>
+            <a:fillRect/>
+          </a:stretch>
+        </p:blipFill>
+        <p:spPr/>
+      </p:pic>
+    </p:spTree>
+    <p:extLst>
+      <p:ext uri="{BB962C8B-B14F-4D97-AF65-F5344CB8AC3E}">
+        <p14:creationId xmlns:p14="http://schemas.microsoft.com/office/powerpoint/2010/main" val="1815626405"/>
+      </p:ext>
+    </p:extLst>
+  </p:cSld>
+  <p:clrMapOvr>
+    <a:masterClrMapping/>
+  </p:clrMapOvr>
+  <p:timing>
+    <p:tnLst>
+      <p:par>
+        <p:cTn xmlns:p14="http://schemas.microsoft.com/office/powerpoint/2010/main" id="1" dur="indefinite" restart="never" nodeType="tmRoot"/>
+      </p:par>
+    </p:tnLst>
+  </p:timing>
 </p:sld>
 </file>
 
